--- a/docs/mainres/frame.pptx
+++ b/docs/mainres/frame.pptx
@@ -3476,7 +3476,7 @@
             <a:pPr algn="ctr"/>
             <a:r>
               <a:rPr lang="en-US" altLang="en-US"/>
-              <a:t>Src Sink</a:t>
+              <a:t>Video Src</a:t>
             </a:r>
             <a:endParaRPr lang="en-US" altLang="en-US"/>
           </a:p>
@@ -3526,7 +3526,7 @@
         </p:nvSpPr>
         <p:spPr>
           <a:xfrm>
-            <a:off x="7012940" y="1925320"/>
+            <a:off x="7079615" y="1930400"/>
             <a:ext cx="852805" cy="245110"/>
           </a:xfrm>
           <a:prstGeom prst="rect">
@@ -3539,9 +3539,10 @@
             <a:spAutoFit/>
           </a:bodyPr>
           <a:p>
+            <a:pPr algn="ctr"/>
             <a:r>
               <a:rPr lang="en-US" altLang="en-US" sz="1000"/>
-              <a:t>MJPG/YUV</a:t>
+              <a:t>YUV</a:t>
             </a:r>
             <a:endParaRPr lang="en-US" altLang="en-US" sz="1000"/>
           </a:p>
@@ -3704,20 +3705,17 @@
       <p:cxnSp>
         <p:nvCxnSpPr>
           <p:cNvPr id="35" name="Elbow Connector 34"/>
-          <p:cNvCxnSpPr>
-            <a:stCxn id="9" idx="3"/>
-            <a:endCxn id="32" idx="1"/>
-          </p:cNvCxnSpPr>
+          <p:cNvCxnSpPr/>
           <p:nvPr/>
         </p:nvCxnSpPr>
         <p:spPr>
-          <a:xfrm flipV="1">
-            <a:off x="6927215" y="3806190"/>
-            <a:ext cx="1573530" cy="5080"/>
+          <a:xfrm>
+            <a:off x="6892925" y="3807460"/>
+            <a:ext cx="1607820" cy="690880"/>
           </a:xfrm>
           <a:prstGeom prst="bentConnector3">
             <a:avLst>
-              <a:gd name="adj1" fmla="val 50000"/>
+              <a:gd name="adj1" fmla="val 75829"/>
             </a:avLst>
           </a:prstGeom>
           <a:ln>
@@ -3857,6 +3855,83 @@
           </a:p>
         </p:txBody>
       </p:sp>
+      <p:sp>
+        <p:nvSpPr>
+          <p:cNvPr id="41" name="Rounded Rectangle 31"/>
+          <p:cNvSpPr/>
+          <p:nvPr/>
+        </p:nvSpPr>
+        <p:spPr>
+          <a:xfrm>
+            <a:off x="8500745" y="4279900"/>
+            <a:ext cx="2694940" cy="436880"/>
+          </a:xfrm>
+          <a:prstGeom prst="roundRect">
+            <a:avLst/>
+          </a:prstGeom>
+        </p:spPr>
+        <p:style>
+          <a:lnRef idx="2">
+            <a:schemeClr val="accent6"/>
+          </a:lnRef>
+          <a:fillRef idx="1">
+            <a:schemeClr val="lt1"/>
+          </a:fillRef>
+          <a:effectRef idx="0">
+            <a:schemeClr val="accent6"/>
+          </a:effectRef>
+          <a:fontRef idx="minor">
+            <a:schemeClr val="dk1"/>
+          </a:fontRef>
+        </p:style>
+        <p:txBody>
+          <a:bodyPr rtlCol="0" anchor="ctr"/>
+          <a:p>
+            <a:pPr algn="ctr"/>
+            <a:r>
+              <a:rPr lang="en-US" altLang="en-US"/>
+              <a:t>native VPU SDK</a:t>
+            </a:r>
+            <a:endParaRPr lang="en-US" altLang="en-US"/>
+          </a:p>
+        </p:txBody>
+      </p:sp>
+      <p:cxnSp>
+        <p:nvCxnSpPr>
+          <p:cNvPr id="2" name="Straight Arrow Connector 33"/>
+          <p:cNvCxnSpPr>
+            <a:stCxn id="32" idx="2"/>
+            <a:endCxn id="41" idx="0"/>
+          </p:cNvCxnSpPr>
+          <p:nvPr/>
+        </p:nvCxnSpPr>
+        <p:spPr>
+          <a:xfrm>
+            <a:off x="9848215" y="4024630"/>
+            <a:ext cx="0" cy="255270"/>
+          </a:xfrm>
+          <a:prstGeom prst="straightConnector1">
+            <a:avLst/>
+          </a:prstGeom>
+          <a:ln>
+            <a:tailEnd type="arrow"/>
+          </a:ln>
+        </p:spPr>
+        <p:style>
+          <a:lnRef idx="1">
+            <a:schemeClr val="accent1"/>
+          </a:lnRef>
+          <a:fillRef idx="0">
+            <a:schemeClr val="accent1"/>
+          </a:fillRef>
+          <a:effectRef idx="0">
+            <a:schemeClr val="accent1"/>
+          </a:effectRef>
+          <a:fontRef idx="minor">
+            <a:schemeClr val="tx1"/>
+          </a:fontRef>
+        </p:style>
+      </p:cxnSp>
     </p:spTree>
   </p:cSld>
   <p:clrMapOvr>
@@ -3974,7 +4049,7 @@
         </p:nvSpPr>
         <p:spPr>
           <a:xfrm>
-            <a:off x="8270875" y="1014730"/>
+            <a:off x="8279765" y="1014730"/>
             <a:ext cx="3333750" cy="4219575"/>
           </a:xfrm>
           <a:prstGeom prst="roundRect">
@@ -4721,7 +4796,7 @@
             <a:pPr algn="ctr"/>
             <a:r>
               <a:rPr lang="en-US" altLang="en-US"/>
-              <a:t>Src Sink</a:t>
+              <a:t>Video Src</a:t>
             </a:r>
             <a:endParaRPr lang="en-US" altLang="en-US"/>
           </a:p>
@@ -4779,7 +4854,7 @@
         </p:nvSpPr>
         <p:spPr>
           <a:xfrm>
-            <a:off x="7012940" y="1976120"/>
+            <a:off x="7172325" y="1976120"/>
             <a:ext cx="852805" cy="398780"/>
           </a:xfrm>
           <a:prstGeom prst="rect">
@@ -4792,13 +4867,15 @@
             <a:spAutoFit/>
           </a:bodyPr>
           <a:p>
+            <a:pPr algn="ctr"/>
             <a:r>
               <a:rPr lang="en-US" altLang="en-US" sz="1000"/>
-              <a:t>MJPG/YUV</a:t>
+              <a:t>YUV</a:t>
             </a:r>
             <a:endParaRPr lang="en-US" altLang="en-US" sz="1000"/>
           </a:p>
           <a:p>
+            <a:pPr algn="ctr"/>
             <a:r>
               <a:rPr lang="en-US" altLang="en-US" sz="1000"/>
               <a:t>Video</a:t>
@@ -4815,7 +4892,7 @@
         </p:nvSpPr>
         <p:spPr>
           <a:xfrm>
-            <a:off x="8745855" y="2814320"/>
+            <a:off x="8745855" y="2573655"/>
             <a:ext cx="2694940" cy="458470"/>
           </a:xfrm>
           <a:prstGeom prst="roundRect">
@@ -4860,7 +4937,7 @@
         <p:spPr>
           <a:xfrm>
             <a:off x="9449435" y="2175510"/>
-            <a:ext cx="643890" cy="638810"/>
+            <a:ext cx="643890" cy="398145"/>
           </a:xfrm>
           <a:prstGeom prst="bentConnector2">
             <a:avLst/>
@@ -4889,18 +4966,18 @@
           <p:cNvPr id="35" name="Elbow Connector 34"/>
           <p:cNvCxnSpPr>
             <a:stCxn id="9" idx="3"/>
-            <a:endCxn id="3" idx="1"/>
+            <a:endCxn id="12" idx="1"/>
           </p:cNvCxnSpPr>
           <p:nvPr/>
         </p:nvCxnSpPr>
         <p:spPr>
           <a:xfrm>
             <a:off x="6927215" y="3811270"/>
-            <a:ext cx="1157605" cy="10795"/>
+            <a:ext cx="1157605" cy="343535"/>
           </a:xfrm>
           <a:prstGeom prst="bentConnector3">
             <a:avLst>
-              <a:gd name="adj1" fmla="val 50027"/>
+              <a:gd name="adj1" fmla="val 85792"/>
             </a:avLst>
           </a:prstGeom>
           <a:ln>
@@ -5039,16 +5116,82 @@
           </a:fontRef>
         </p:style>
       </p:cxnSp>
-      <p:sp>
-        <p:nvSpPr>
-          <p:cNvPr id="3" name="Rounded Rectangle 2"/>
+      <p:cxnSp>
+        <p:nvCxnSpPr>
+          <p:cNvPr id="10" name="Elbow Connector 9"/>
+          <p:cNvCxnSpPr>
+            <a:stCxn id="12" idx="3"/>
+            <a:endCxn id="32" idx="2"/>
+          </p:cNvCxnSpPr>
+          <p:nvPr/>
+        </p:nvCxnSpPr>
+        <p:spPr>
+          <a:xfrm flipV="1">
+            <a:off x="9449435" y="3747135"/>
+            <a:ext cx="643890" cy="407670"/>
+          </a:xfrm>
+          <a:prstGeom prst="bentConnector2">
+            <a:avLst/>
+          </a:prstGeom>
+          <a:ln>
+            <a:tailEnd type="arrow"/>
+          </a:ln>
+        </p:spPr>
+        <p:style>
+          <a:lnRef idx="1">
+            <a:schemeClr val="accent1"/>
+          </a:lnRef>
+          <a:fillRef idx="0">
+            <a:schemeClr val="accent1"/>
+          </a:fillRef>
+          <a:effectRef idx="0">
+            <a:schemeClr val="accent1"/>
+          </a:effectRef>
+          <a:fontRef idx="minor">
+            <a:schemeClr val="tx1"/>
+          </a:fontRef>
+        </p:style>
+      </p:cxnSp>
+      <p:sp>
+        <p:nvSpPr>
+          <p:cNvPr id="11" name="Text Box 10"/>
+          <p:cNvSpPr txBox="1"/>
+          <p:nvPr/>
+        </p:nvSpPr>
+        <p:spPr>
+          <a:xfrm>
+            <a:off x="7085330" y="3595370"/>
+            <a:ext cx="841375" cy="398780"/>
+          </a:xfrm>
+          <a:prstGeom prst="rect">
+            <a:avLst/>
+          </a:prstGeom>
+          <a:noFill/>
+        </p:spPr>
+        <p:txBody>
+          <a:bodyPr wrap="square" rtlCol="0">
+            <a:spAutoFit/>
+          </a:bodyPr>
+          <a:p>
+            <a:pPr algn="ctr"/>
+            <a:r>
+              <a:rPr lang="en-US" altLang="en-US" sz="1000"/>
+              <a:t>Get AI Meta-data</a:t>
+            </a:r>
+            <a:endParaRPr lang="en-US" altLang="en-US" sz="1000"/>
+          </a:p>
+        </p:txBody>
+      </p:sp>
+      <p:sp>
+        <p:nvSpPr>
+          <p:cNvPr id="12" name="Rounded Rectangle 2"/>
           <p:cNvSpPr/>
           <p:nvPr/>
         </p:nvSpPr>
         <p:spPr>
           <a:xfrm>
-            <a:off x="8084820" y="3592830"/>
-            <a:ext cx="1364615" cy="458470"/>
+            <a:off x="8084820" y="3937635"/>
+            <a:ext cx="1364615" cy="434340"/>
           </a:xfrm>
           <a:prstGeom prst="roundRect">
             <a:avLst/>
@@ -5074,7 +5217,7 @@
             <a:pPr algn="ctr"/>
             <a:r>
               <a:rPr lang="en-US" altLang="en-US"/>
-              <a:t>Src Sink</a:t>
+              <a:t>Tensor Src</a:t>
             </a:r>
             <a:endParaRPr lang="en-US" altLang="en-US"/>
           </a:p>
@@ -5088,21 +5231,62 @@
           </a:p>
         </p:txBody>
       </p:sp>
+      <p:sp>
+        <p:nvSpPr>
+          <p:cNvPr id="32" name="Rounded Rectangle 31"/>
+          <p:cNvSpPr/>
+          <p:nvPr/>
+        </p:nvSpPr>
+        <p:spPr>
+          <a:xfrm>
+            <a:off x="8745855" y="3278505"/>
+            <a:ext cx="2694940" cy="468630"/>
+          </a:xfrm>
+          <a:prstGeom prst="roundRect">
+            <a:avLst/>
+          </a:prstGeom>
+        </p:spPr>
+        <p:style>
+          <a:lnRef idx="2">
+            <a:schemeClr val="accent6"/>
+          </a:lnRef>
+          <a:fillRef idx="1">
+            <a:schemeClr val="lt1"/>
+          </a:fillRef>
+          <a:effectRef idx="0">
+            <a:schemeClr val="accent6"/>
+          </a:effectRef>
+          <a:fontRef idx="minor">
+            <a:schemeClr val="dk1"/>
+          </a:fontRef>
+        </p:style>
+        <p:txBody>
+          <a:bodyPr rtlCol="0" anchor="ctr"/>
+          <a:p>
+            <a:pPr algn="ctr"/>
+            <a:r>
+              <a:rPr lang="en-US" altLang="en-US"/>
+              <a:t>native VPU SDK</a:t>
+            </a:r>
+            <a:endParaRPr lang="en-US" altLang="en-US"/>
+          </a:p>
+        </p:txBody>
+      </p:sp>
       <p:cxnSp>
         <p:nvCxnSpPr>
-          <p:cNvPr id="10" name="Elbow Connector 9"/>
+          <p:cNvPr id="37" name="Straight Arrow Connector 28"/>
           <p:cNvCxnSpPr>
-            <a:stCxn id="3" idx="3"/>
-            <a:endCxn id="31" idx="2"/>
+            <a:stCxn id="31" idx="2"/>
+            <a:endCxn id="32" idx="0"/>
           </p:cNvCxnSpPr>
           <p:nvPr/>
         </p:nvCxnSpPr>
         <p:spPr>
-          <a:xfrm flipV="1">
-            <a:off x="9449435" y="3272790"/>
-            <a:ext cx="643890" cy="549275"/>
-          </a:xfrm>
-          <a:prstGeom prst="bentConnector2">
+          <a:xfrm>
+            <a:off x="10093325" y="3032125"/>
+            <a:ext cx="0" cy="246380"/>
+          </a:xfrm>
+          <a:prstGeom prst="straightConnector1">
             <a:avLst/>
           </a:prstGeom>
           <a:ln>
@@ -5124,35 +5308,6 @@
           </a:fontRef>
         </p:style>
       </p:cxnSp>
-      <p:sp>
-        <p:nvSpPr>
-          <p:cNvPr id="11" name="Text Box 10"/>
-          <p:cNvSpPr txBox="1"/>
-          <p:nvPr/>
-        </p:nvSpPr>
-        <p:spPr>
-          <a:xfrm>
-            <a:off x="7054850" y="3630930"/>
-            <a:ext cx="841375" cy="398780"/>
-          </a:xfrm>
-          <a:prstGeom prst="rect">
-            <a:avLst/>
-          </a:prstGeom>
-          <a:noFill/>
-        </p:spPr>
-        <p:txBody>
-          <a:bodyPr wrap="square" rtlCol="0">
-            <a:spAutoFit/>
-          </a:bodyPr>
-          <a:p>
-            <a:r>
-              <a:rPr lang="en-US" altLang="en-US" sz="1000"/>
-              <a:t>Get AI Meta-data</a:t>
-            </a:r>
-            <a:endParaRPr lang="en-US" altLang="en-US" sz="1000"/>
-          </a:p>
-        </p:txBody>
-      </p:sp>
     </p:spTree>
   </p:cSld>
   <p:clrMapOvr>
@@ -5220,8 +5375,8 @@
         </p:nvSpPr>
         <p:spPr>
           <a:xfrm>
-            <a:off x="5328920" y="1499235"/>
-            <a:ext cx="1684020" cy="2856230"/>
+            <a:off x="5328920" y="3031490"/>
+            <a:ext cx="1873250" cy="1323975"/>
           </a:xfrm>
           <a:prstGeom prst="rect">
             <a:avLst/>
@@ -5787,7 +5942,7 @@
         </p:nvSpPr>
         <p:spPr>
           <a:xfrm>
-            <a:off x="8500745" y="2814320"/>
+            <a:off x="8500745" y="2232660"/>
             <a:ext cx="2694940" cy="458470"/>
           </a:xfrm>
           <a:prstGeom prst="roundRect">
@@ -5828,7 +5983,7 @@
         </p:nvSpPr>
         <p:spPr>
           <a:xfrm>
-            <a:off x="8500745" y="3587750"/>
+            <a:off x="8500745" y="3093720"/>
             <a:ext cx="2694940" cy="436880"/>
           </a:xfrm>
           <a:prstGeom prst="roundRect">
@@ -5872,8 +6027,8 @@
         </p:nvCxnSpPr>
         <p:spPr>
           <a:xfrm>
-            <a:off x="9848215" y="3272790"/>
-            <a:ext cx="0" cy="314960"/>
+            <a:off x="9848215" y="2691130"/>
+            <a:ext cx="0" cy="402590"/>
           </a:xfrm>
           <a:prstGeom prst="straightConnector1">
             <a:avLst/>
@@ -5902,18 +6057,18 @@
           <p:cNvPr id="35" name="Elbow Connector 34"/>
           <p:cNvCxnSpPr>
             <a:stCxn id="9" idx="3"/>
-            <a:endCxn id="32" idx="1"/>
+            <a:endCxn id="41" idx="1"/>
           </p:cNvCxnSpPr>
           <p:nvPr/>
         </p:nvCxnSpPr>
         <p:spPr>
-          <a:xfrm flipV="1">
-            <a:off x="6927215" y="3806190"/>
-            <a:ext cx="1573530" cy="5080"/>
+          <a:xfrm>
+            <a:off x="6927215" y="3811270"/>
+            <a:ext cx="1573530" cy="343535"/>
           </a:xfrm>
           <a:prstGeom prst="bentConnector3">
             <a:avLst>
-              <a:gd name="adj1" fmla="val 50000"/>
+              <a:gd name="adj1" fmla="val 74656"/>
             </a:avLst>
           </a:prstGeom>
           <a:ln>
@@ -6053,6 +6208,83 @@
           </a:p>
         </p:txBody>
       </p:sp>
+      <p:sp>
+        <p:nvSpPr>
+          <p:cNvPr id="41" name="Rounded Rectangle 31"/>
+          <p:cNvSpPr/>
+          <p:nvPr/>
+        </p:nvSpPr>
+        <p:spPr>
+          <a:xfrm>
+            <a:off x="8500745" y="3936365"/>
+            <a:ext cx="2694940" cy="436880"/>
+          </a:xfrm>
+          <a:prstGeom prst="roundRect">
+            <a:avLst/>
+          </a:prstGeom>
+        </p:spPr>
+        <p:style>
+          <a:lnRef idx="2">
+            <a:schemeClr val="accent6"/>
+          </a:lnRef>
+          <a:fillRef idx="1">
+            <a:schemeClr val="lt1"/>
+          </a:fillRef>
+          <a:effectRef idx="0">
+            <a:schemeClr val="accent6"/>
+          </a:effectRef>
+          <a:fontRef idx="minor">
+            <a:schemeClr val="dk1"/>
+          </a:fontRef>
+        </p:style>
+        <p:txBody>
+          <a:bodyPr rtlCol="0" anchor="ctr"/>
+          <a:p>
+            <a:pPr algn="ctr"/>
+            <a:r>
+              <a:rPr lang="en-US" altLang="en-US"/>
+              <a:t>native VPU SDK</a:t>
+            </a:r>
+            <a:endParaRPr lang="en-US" altLang="en-US"/>
+          </a:p>
+        </p:txBody>
+      </p:sp>
+      <p:cxnSp>
+        <p:nvCxnSpPr>
+          <p:cNvPr id="2" name="Straight Arrow Connector 33"/>
+          <p:cNvCxnSpPr>
+            <a:stCxn id="32" idx="2"/>
+            <a:endCxn id="41" idx="0"/>
+          </p:cNvCxnSpPr>
+          <p:nvPr/>
+        </p:nvCxnSpPr>
+        <p:spPr>
+          <a:xfrm>
+            <a:off x="9848215" y="3530600"/>
+            <a:ext cx="0" cy="405765"/>
+          </a:xfrm>
+          <a:prstGeom prst="straightConnector1">
+            <a:avLst/>
+          </a:prstGeom>
+          <a:ln>
+            <a:tailEnd type="arrow"/>
+          </a:ln>
+        </p:spPr>
+        <p:style>
+          <a:lnRef idx="1">
+            <a:schemeClr val="accent1"/>
+          </a:lnRef>
+          <a:fillRef idx="0">
+            <a:schemeClr val="accent1"/>
+          </a:fillRef>
+          <a:effectRef idx="0">
+            <a:schemeClr val="accent1"/>
+          </a:effectRef>
+          <a:fontRef idx="minor">
+            <a:schemeClr val="tx1"/>
+          </a:fontRef>
+        </p:style>
+      </p:cxnSp>
     </p:spTree>
   </p:cSld>
   <p:clrMapOvr>
@@ -6109,10 +6341,10 @@
               <a:t>USB AI Acceleration Card </a:t>
             </a:r>
             <a:r>
-              <a:rPr lang="" altLang="en-US"/>
+              <a:rPr lang="en-US" altLang="en-US"/>
               <a:t>-1</a:t>
             </a:r>
-            <a:endParaRPr lang="" altLang="en-US"/>
+            <a:endParaRPr lang="en-US" altLang="en-US"/>
           </a:p>
         </p:txBody>
       </p:sp>
@@ -6806,14 +7038,14 @@
           <p:cNvPr id="35" name="Elbow Connector 34"/>
           <p:cNvCxnSpPr>
             <a:stCxn id="9" idx="3"/>
-            <a:endCxn id="32" idx="1"/>
+            <a:endCxn id="41" idx="1"/>
           </p:cNvCxnSpPr>
           <p:nvPr/>
         </p:nvCxnSpPr>
         <p:spPr>
           <a:xfrm>
             <a:off x="7066915" y="1737995"/>
-            <a:ext cx="1569720" cy="1753235"/>
+            <a:ext cx="1569720" cy="2799080"/>
           </a:xfrm>
           <a:prstGeom prst="bentConnector3">
             <a:avLst>
@@ -6926,7 +7158,7 @@
         </p:nvSpPr>
         <p:spPr>
           <a:xfrm>
-            <a:off x="6988175" y="3214370"/>
+            <a:off x="7146925" y="4242435"/>
             <a:ext cx="1329055" cy="553085"/>
           </a:xfrm>
           <a:prstGeom prst="rect">
@@ -6995,10 +7227,10 @@
               <a:t>USB AI Acceleration Card</a:t>
             </a:r>
             <a:r>
-              <a:rPr lang="" altLang="en-US"/>
+              <a:rPr lang="en-US" altLang="en-US"/>
               <a:t>-2</a:t>
             </a:r>
-            <a:endParaRPr lang="" altLang="en-US"/>
+            <a:endParaRPr lang="en-US" altLang="en-US"/>
           </a:p>
         </p:txBody>
       </p:sp>
@@ -7134,7 +7366,7 @@
               <a:pPr algn="ctr"/>
               <a:r>
                 <a:rPr lang="en-US" altLang="en-US" sz="1200"/>
-                <a:t>AI  Inference Pipeline : 6</a:t>
+                <a:t>AI  Inference Pipeline : 12</a:t>
               </a:r>
               <a:endParaRPr lang="en-US" altLang="en-US" sz="1200"/>
             </a:p>
@@ -7337,7 +7569,7 @@
               <a:pPr algn="ctr"/>
               <a:r>
                 <a:rPr lang="en-US" altLang="en-US" sz="1200"/>
-                <a:t>AI  Inference Pipeline : 1</a:t>
+                <a:t>AI  Inference Pipeline : 7</a:t>
               </a:r>
               <a:endParaRPr lang="en-US" altLang="en-US" sz="1200"/>
             </a:p>
@@ -7601,24 +7833,95 @@
       <p:cxnSp>
         <p:nvCxnSpPr>
           <p:cNvPr id="40" name="Elbow Connector 39"/>
-          <p:cNvCxnSpPr>
-            <a:stCxn id="3" idx="3"/>
-            <a:endCxn id="32" idx="1"/>
-          </p:cNvCxnSpPr>
+          <p:cNvCxnSpPr/>
           <p:nvPr/>
         </p:nvCxnSpPr>
         <p:spPr>
           <a:xfrm flipV="1">
-            <a:off x="7208520" y="3491230"/>
-            <a:ext cx="1428115" cy="1439545"/>
+            <a:off x="7128510" y="4537075"/>
+            <a:ext cx="1508125" cy="476885"/>
           </a:xfrm>
           <a:prstGeom prst="bentConnector3">
             <a:avLst>
-              <a:gd name="adj1" fmla="val 44730"/>
+              <a:gd name="adj1" fmla="val 47663"/>
             </a:avLst>
           </a:prstGeom>
           <a:ln>
             <a:headEnd type="arrow"/>
+            <a:tailEnd type="arrow"/>
+          </a:ln>
+        </p:spPr>
+        <p:style>
+          <a:lnRef idx="1">
+            <a:schemeClr val="accent1"/>
+          </a:lnRef>
+          <a:fillRef idx="0">
+            <a:schemeClr val="accent1"/>
+          </a:fillRef>
+          <a:effectRef idx="0">
+            <a:schemeClr val="accent1"/>
+          </a:effectRef>
+          <a:fontRef idx="minor">
+            <a:schemeClr val="tx1"/>
+          </a:fontRef>
+        </p:style>
+      </p:cxnSp>
+      <p:sp>
+        <p:nvSpPr>
+          <p:cNvPr id="41" name="Rounded Rectangle 31"/>
+          <p:cNvSpPr/>
+          <p:nvPr/>
+        </p:nvSpPr>
+        <p:spPr>
+          <a:xfrm>
+            <a:off x="8636635" y="4318635"/>
+            <a:ext cx="2694940" cy="436880"/>
+          </a:xfrm>
+          <a:prstGeom prst="roundRect">
+            <a:avLst/>
+          </a:prstGeom>
+        </p:spPr>
+        <p:style>
+          <a:lnRef idx="2">
+            <a:schemeClr val="accent6"/>
+          </a:lnRef>
+          <a:fillRef idx="1">
+            <a:schemeClr val="lt1"/>
+          </a:fillRef>
+          <a:effectRef idx="0">
+            <a:schemeClr val="accent6"/>
+          </a:effectRef>
+          <a:fontRef idx="minor">
+            <a:schemeClr val="dk1"/>
+          </a:fontRef>
+        </p:style>
+        <p:txBody>
+          <a:bodyPr rtlCol="0" anchor="ctr"/>
+          <a:p>
+            <a:pPr algn="ctr"/>
+            <a:r>
+              <a:rPr lang="en-US" altLang="en-US"/>
+              <a:t>native VPU SDK</a:t>
+            </a:r>
+            <a:endParaRPr lang="en-US" altLang="en-US"/>
+          </a:p>
+        </p:txBody>
+      </p:sp>
+      <p:cxnSp>
+        <p:nvCxnSpPr>
+          <p:cNvPr id="42" name="Straight Arrow Connector 33"/>
+          <p:cNvCxnSpPr/>
+          <p:nvPr/>
+        </p:nvCxnSpPr>
+        <p:spPr>
+          <a:xfrm>
+            <a:off x="9984105" y="3709670"/>
+            <a:ext cx="0" cy="608965"/>
+          </a:xfrm>
+          <a:prstGeom prst="straightConnector1">
+            <a:avLst/>
+          </a:prstGeom>
+          <a:ln>
             <a:tailEnd type="arrow"/>
           </a:ln>
         </p:spPr>
